--- a/DARPA material/phylofactor_results_GAMs.pptx
+++ b/DARPA material/phylofactor_results_GAMs.pptx
@@ -104,6 +104,11 @@
       </a:defRPr>
     </a:lvl9pPr>
   </p:defaultTextStyle>
+  <p:extLst>
+    <p:ext uri="{EFAFB233-063F-42B5-8137-9DF3F51BA10A}">
+      <p15:sldGuideLst xmlns:p15="http://schemas.microsoft.com/office/powerpoint/2012/main"/>
+    </p:ext>
+  </p:extLst>
 </p:presentation>
 </file>
 
@@ -3340,7 +3345,7 @@
           <p:nvPr>
             <p:extLst>
               <p:ext uri="{D42A27DB-BD31-4B8C-83A1-F6EECF244321}">
-                <p14:modId xmlns:p14="http://schemas.microsoft.com/office/powerpoint/2010/main" val="3540973385"/>
+                <p14:modId xmlns:p14="http://schemas.microsoft.com/office/powerpoint/2010/main" val="4034667652"/>
               </p:ext>
             </p:extLst>
           </p:nvPr>
@@ -3385,7 +3390,7 @@
                   </a:extLst>
                 </a:gridCol>
               </a:tblGrid>
-              <a:tr h="370840">
+              <a:tr h="438678">
                 <a:tc>
                   <a:txBody>
                     <a:bodyPr/>
@@ -3474,7 +3479,11 @@
                       </a:r>
                     </a:p>
                   </a:txBody>
-                  <a:tcPr/>
+                  <a:tcPr>
+                    <a:solidFill>
+                      <a:srgbClr val="00B050"/>
+                    </a:solidFill>
+                  </a:tcPr>
                 </a:tc>
                 <a:tc>
                   <a:txBody>
@@ -3488,7 +3497,11 @@
                       </a:r>
                     </a:p>
                   </a:txBody>
-                  <a:tcPr/>
+                  <a:tcPr>
+                    <a:solidFill>
+                      <a:srgbClr val="FF0000"/>
+                    </a:solidFill>
+                  </a:tcPr>
                 </a:tc>
                 <a:tc>
                   <a:txBody>
@@ -3550,7 +3563,11 @@
                       </a:r>
                     </a:p>
                   </a:txBody>
-                  <a:tcPr/>
+                  <a:tcPr>
+                    <a:solidFill>
+                      <a:srgbClr val="FF0000"/>
+                    </a:solidFill>
+                  </a:tcPr>
                 </a:tc>
                 <a:tc>
                   <a:txBody>
@@ -3564,7 +3581,11 @@
                       </a:r>
                     </a:p>
                   </a:txBody>
-                  <a:tcPr/>
+                  <a:tcPr>
+                    <a:solidFill>
+                      <a:srgbClr val="00B050"/>
+                    </a:solidFill>
+                  </a:tcPr>
                 </a:tc>
                 <a:extLst>
                   <a:ext uri="{0D108BD9-81ED-4DB2-BD59-A6C34878D82A}">
@@ -3598,7 +3619,11 @@
                       </a:r>
                     </a:p>
                   </a:txBody>
-                  <a:tcPr/>
+                  <a:tcPr>
+                    <a:solidFill>
+                      <a:srgbClr val="00B050"/>
+                    </a:solidFill>
+                  </a:tcPr>
                 </a:tc>
                 <a:tc>
                   <a:txBody>
@@ -3612,7 +3637,11 @@
                       </a:r>
                     </a:p>
                   </a:txBody>
-                  <a:tcPr/>
+                  <a:tcPr>
+                    <a:solidFill>
+                      <a:srgbClr val="FF0000"/>
+                    </a:solidFill>
+                  </a:tcPr>
                 </a:tc>
                 <a:tc>
                   <a:txBody>
@@ -3626,7 +3655,11 @@
                       </a:r>
                     </a:p>
                   </a:txBody>
-                  <a:tcPr/>
+                  <a:tcPr>
+                    <a:solidFill>
+                      <a:srgbClr val="00B050"/>
+                    </a:solidFill>
+                  </a:tcPr>
                 </a:tc>
                 <a:extLst>
                   <a:ext uri="{0D108BD9-81ED-4DB2-BD59-A6C34878D82A}">
